--- a/ScrumGuide-Thailand-(Draft)-20181006.pptx
+++ b/ScrumGuide-Thailand-(Draft)-20181006.pptx
@@ -5,10 +5,10 @@
     <p:sldMasterId id="2147483660" r:id="rId1"/>
   </p:sldMasterIdLst>
   <p:notesMasterIdLst>
-    <p:notesMasterId r:id="rId11"/>
+    <p:notesMasterId r:id="rId12"/>
   </p:notesMasterIdLst>
   <p:handoutMasterIdLst>
-    <p:handoutMasterId r:id="rId12"/>
+    <p:handoutMasterId r:id="rId13"/>
   </p:handoutMasterIdLst>
   <p:sldIdLst>
     <p:sldId id="256" r:id="rId2"/>
@@ -19,7 +19,8 @@
     <p:sldId id="257" r:id="rId7"/>
     <p:sldId id="275" r:id="rId8"/>
     <p:sldId id="276" r:id="rId9"/>
-    <p:sldId id="282" r:id="rId10"/>
+    <p:sldId id="283" r:id="rId10"/>
+    <p:sldId id="282" r:id="rId11"/>
   </p:sldIdLst>
   <p:sldSz cx="12192000" cy="6858000"/>
   <p:notesSz cx="6858000" cy="9144000"/>
@@ -139,6 +140,7 @@
         </p14:section>
         <p14:section name="Learn More" id="{2CC34DB2-6590-42C0-AD4B-A04C6060184E}">
           <p14:sldIdLst>
+            <p14:sldId id="283"/>
             <p14:sldId id="282"/>
           </p14:sldIdLst>
         </p14:section>
@@ -253,7 +255,7 @@
           <a:p>
             <a:fld id="{80680FBE-A8DF-4758-9AC4-3A9E1039168F}" type="datetimeFigureOut">
               <a:rPr lang="en-US" smtClean="0"/>
-              <a:t>10/6/2018</a:t>
+              <a:t>10/6/18</a:t>
             </a:fld>
             <a:endParaRPr lang="en-US"/>
           </a:p>
@@ -418,7 +420,7 @@
           <a:p>
             <a:fld id="{EC13577B-6902-467D-A26C-08A0DD5E4E03}" type="datetimeFigureOut">
               <a:rPr lang="en-US" smtClean="0"/>
-              <a:t>10/6/2018</a:t>
+              <a:t>10/6/18</a:t>
             </a:fld>
             <a:endParaRPr lang="en-US"/>
           </a:p>
@@ -852,7 +854,7 @@
           <a:p>
             <a:fld id="{DF61EA0F-A667-4B49-8422-0062BC55E249}" type="slidenum">
               <a:rPr lang="en-US" smtClean="0"/>
-              <a:t>9</a:t>
+              <a:t>10</a:t>
             </a:fld>
             <a:endParaRPr lang="en-US"/>
           </a:p>
@@ -1310,7 +1312,7 @@
             <a:fld id="{8BEEBAAA-29B5-4AF5-BC5F-7E580C29002D}" type="datetimeFigureOut">
               <a:rPr lang="en-US" smtClean="0"/>
               <a:pPr/>
-              <a:t>10/6/2018</a:t>
+              <a:t>10/6/18</a:t>
             </a:fld>
             <a:endParaRPr lang="en-US" dirty="0"/>
           </a:p>
@@ -1971,7 +1973,7 @@
             <a:fld id="{8BEEBAAA-29B5-4AF5-BC5F-7E580C29002D}" type="datetimeFigureOut">
               <a:rPr lang="en-US" smtClean="0"/>
               <a:pPr/>
-              <a:t>10/6/2018</a:t>
+              <a:t>10/6/18</a:t>
             </a:fld>
             <a:endParaRPr lang="en-US" dirty="0"/>
           </a:p>
@@ -2540,6 +2542,446 @@
 </p:sld>
 </file>
 
+<file path=ppt/slides/slide10.xml><?xml version="1.0" encoding="utf-8"?>
+<p:sld xmlns:a="http://schemas.openxmlformats.org/drawingml/2006/main" xmlns:r="http://schemas.openxmlformats.org/officeDocument/2006/relationships" xmlns:p="http://schemas.openxmlformats.org/presentationml/2006/main">
+  <p:cSld>
+    <p:spTree>
+      <p:nvGrpSpPr>
+        <p:cNvPr id="1" name=""/>
+        <p:cNvGrpSpPr/>
+        <p:nvPr/>
+      </p:nvGrpSpPr>
+      <p:grpSpPr>
+        <a:xfrm>
+          <a:off x="0" y="0"/>
+          <a:ext cx="0" cy="0"/>
+          <a:chOff x="0" y="0"/>
+          <a:chExt cx="0" cy="0"/>
+        </a:xfrm>
+      </p:grpSpPr>
+      <p:sp>
+        <p:nvSpPr>
+          <p:cNvPr id="10" name="Title 9"/>
+          <p:cNvSpPr>
+            <a:spLocks noGrp="1"/>
+          </p:cNvSpPr>
+          <p:nvPr>
+            <p:ph type="title"/>
+          </p:nvPr>
+        </p:nvSpPr>
+        <p:spPr/>
+        <p:txBody>
+          <a:bodyPr>
+            <a:normAutofit/>
+          </a:bodyPr>
+          <a:lstStyle/>
+          <a:p>
+            <a:r>
+              <a:rPr lang="en-US" dirty="0">
+                <a:latin typeface="Segoe UI Light" panose="020B0502040204020203" pitchFamily="34" charset="0"/>
+                <a:cs typeface="Segoe UI Light" panose="020B0502040204020203" pitchFamily="34" charset="0"/>
+              </a:rPr>
+              <a:t>More questions about PowerPoint?</a:t>
+            </a:r>
+          </a:p>
+        </p:txBody>
+      </p:sp>
+      <p:sp>
+        <p:nvSpPr>
+          <p:cNvPr id="5" name="Content Placeholder 4"/>
+          <p:cNvSpPr>
+            <a:spLocks noGrp="1"/>
+          </p:cNvSpPr>
+          <p:nvPr>
+            <p:ph sz="half" idx="4294967295"/>
+          </p:nvPr>
+        </p:nvSpPr>
+        <p:spPr>
+          <a:xfrm>
+            <a:off x="541611" y="2614427"/>
+            <a:ext cx="9442648" cy="3978275"/>
+          </a:xfrm>
+        </p:spPr>
+        <p:txBody>
+          <a:bodyPr>
+            <a:normAutofit/>
+          </a:bodyPr>
+          <a:lstStyle/>
+          <a:p>
+            <a:pPr marL="0" indent="0">
+              <a:lnSpc>
+                <a:spcPts val="3600"/>
+              </a:lnSpc>
+              <a:spcAft>
+                <a:spcPts val="0"/>
+              </a:spcAft>
+              <a:buNone/>
+            </a:pPr>
+            <a:r>
+              <a:rPr lang="en-US" sz="2000" dirty="0">
+                <a:latin typeface="Segoe UI Light" panose="020B0502040204020203" pitchFamily="34" charset="0"/>
+                <a:cs typeface="Segoe UI Light" panose="020B0502040204020203" pitchFamily="34" charset="0"/>
+              </a:rPr>
+              <a:t>Select the </a:t>
+            </a:r>
+            <a:r>
+              <a:rPr lang="en-US" sz="2000" dirty="0">
+                <a:solidFill>
+                  <a:srgbClr val="D24726"/>
+                </a:solidFill>
+                <a:latin typeface="Segoe UI Semibold" panose="020B0702040204020203" pitchFamily="34" charset="0"/>
+                <a:cs typeface="Segoe UI Semibold" panose="020B0702040204020203" pitchFamily="34" charset="0"/>
+              </a:rPr>
+              <a:t>Tell Me                   </a:t>
+            </a:r>
+            <a:r>
+              <a:rPr lang="en-US" sz="2000" dirty="0">
+                <a:latin typeface="Segoe UI Light" panose="020B0502040204020203" pitchFamily="34" charset="0"/>
+                <a:cs typeface="Segoe UI Light" panose="020B0502040204020203" pitchFamily="34" charset="0"/>
+              </a:rPr>
+              <a:t>button and type what you want to know.</a:t>
+            </a:r>
+            <a:br>
+              <a:rPr lang="en-US" sz="2000" dirty="0">
+                <a:latin typeface="Segoe UI Light" panose="020B0502040204020203" pitchFamily="34" charset="0"/>
+                <a:cs typeface="Segoe UI Light" panose="020B0502040204020203" pitchFamily="34" charset="0"/>
+              </a:rPr>
+            </a:br>
+            <a:endParaRPr lang="en-US" sz="2000" dirty="0">
+              <a:latin typeface="Segoe UI Light" panose="020B0502040204020203" pitchFamily="34" charset="0"/>
+              <a:cs typeface="Segoe UI Light" panose="020B0502040204020203" pitchFamily="34" charset="0"/>
+            </a:endParaRPr>
+          </a:p>
+          <a:p>
+            <a:pPr marL="0" indent="0">
+              <a:lnSpc>
+                <a:spcPts val="3600"/>
+              </a:lnSpc>
+              <a:spcAft>
+                <a:spcPts val="0"/>
+              </a:spcAft>
+              <a:buNone/>
+            </a:pPr>
+            <a:r>
+              <a:rPr lang="en-US" sz="2000" u="sng" dirty="0">
+                <a:latin typeface="Segoe UI Light" panose="020B0502040204020203" pitchFamily="34" charset="0"/>
+                <a:cs typeface="Segoe UI Light" panose="020B0502040204020203" pitchFamily="34" charset="0"/>
+                <a:hlinkClick r:id="rId3" tooltip="Visit the PowerPoint team blog"/>
+              </a:rPr>
+              <a:t>Visit the PowerPoint team blog</a:t>
+            </a:r>
+            <a:endParaRPr lang="en-US" sz="2000" dirty="0">
+              <a:latin typeface="Segoe UI Light" panose="020B0502040204020203" pitchFamily="34" charset="0"/>
+              <a:cs typeface="Segoe UI Light" panose="020B0502040204020203" pitchFamily="34" charset="0"/>
+            </a:endParaRPr>
+          </a:p>
+          <a:p>
+            <a:pPr marL="0" indent="0">
+              <a:lnSpc>
+                <a:spcPts val="3600"/>
+              </a:lnSpc>
+              <a:spcBef>
+                <a:spcPts val="1500"/>
+              </a:spcBef>
+              <a:spcAft>
+                <a:spcPts val="0"/>
+              </a:spcAft>
+              <a:buNone/>
+            </a:pPr>
+            <a:r>
+              <a:rPr lang="en-US" sz="2000" dirty="0">
+                <a:latin typeface="Segoe UI Light" panose="020B0502040204020203" pitchFamily="34" charset="0"/>
+                <a:cs typeface="Segoe UI Light" panose="020B0502040204020203" pitchFamily="34" charset="0"/>
+                <a:hlinkClick r:id="rId4" tooltip="Go to free PowerPoint training"/>
+              </a:rPr>
+              <a:t>Go to free PowerPoint training</a:t>
+            </a:r>
+            <a:endParaRPr lang="en-US" sz="2000" dirty="0">
+              <a:latin typeface="Segoe UI Light" panose="020B0502040204020203" pitchFamily="34" charset="0"/>
+              <a:cs typeface="Segoe UI Light" panose="020B0502040204020203" pitchFamily="34" charset="0"/>
+            </a:endParaRPr>
+          </a:p>
+          <a:p>
+            <a:pPr marL="0" indent="0">
+              <a:lnSpc>
+                <a:spcPts val="3600"/>
+              </a:lnSpc>
+              <a:spcBef>
+                <a:spcPts val="1500"/>
+              </a:spcBef>
+              <a:spcAft>
+                <a:spcPts val="0"/>
+              </a:spcAft>
+              <a:buNone/>
+            </a:pPr>
+            <a:r>
+              <a:rPr lang="en-US" sz="2000" dirty="0">
+                <a:latin typeface="Segoe UI Light" panose="020B0502040204020203" pitchFamily="34" charset="0"/>
+                <a:cs typeface="Segoe UI Light" panose="020B0502040204020203" pitchFamily="34" charset="0"/>
+                <a:hlinkClick r:id="rId5" tooltip="Give feedback about this tour"/>
+              </a:rPr>
+              <a:t>Give feedback about this tour</a:t>
+            </a:r>
+            <a:endParaRPr lang="en-US" sz="2000" dirty="0">
+              <a:latin typeface="Segoe UI Light" panose="020B0502040204020203" pitchFamily="34" charset="0"/>
+              <a:cs typeface="Segoe UI Light" panose="020B0502040204020203" pitchFamily="34" charset="0"/>
+            </a:endParaRPr>
+          </a:p>
+          <a:p>
+            <a:pPr marL="0" indent="0">
+              <a:lnSpc>
+                <a:spcPts val="3600"/>
+              </a:lnSpc>
+              <a:spcAft>
+                <a:spcPts val="0"/>
+              </a:spcAft>
+              <a:buNone/>
+            </a:pPr>
+            <a:endParaRPr lang="en-US" sz="2000" dirty="0">
+              <a:latin typeface="Segoe UI Light" panose="020B0502040204020203" pitchFamily="34" charset="0"/>
+              <a:cs typeface="Segoe UI Light" panose="020B0502040204020203" pitchFamily="34" charset="0"/>
+            </a:endParaRPr>
+          </a:p>
+          <a:p>
+            <a:pPr marL="0" indent="0">
+              <a:lnSpc>
+                <a:spcPts val="3600"/>
+              </a:lnSpc>
+              <a:spcAft>
+                <a:spcPts val="0"/>
+              </a:spcAft>
+              <a:buNone/>
+            </a:pPr>
+            <a:endParaRPr lang="en-US" sz="2000" dirty="0">
+              <a:latin typeface="Segoe UI Light" panose="020B0502040204020203" pitchFamily="34" charset="0"/>
+              <a:cs typeface="Segoe UI Light" panose="020B0502040204020203" pitchFamily="34" charset="0"/>
+            </a:endParaRPr>
+          </a:p>
+        </p:txBody>
+      </p:sp>
+      <p:pic>
+        <p:nvPicPr>
+          <p:cNvPr id="2" name="Picture 1" descr="Tell Me button"/>
+          <p:cNvPicPr>
+            <a:picLocks noChangeAspect="1"/>
+          </p:cNvPicPr>
+          <p:nvPr/>
+        </p:nvPicPr>
+        <p:blipFill>
+          <a:blip r:embed="rId6" cstate="print">
+            <a:extLst>
+              <a:ext uri="{28A0092B-C50C-407E-A947-70E740481C1C}">
+                <a14:useLocalDpi xmlns:a14="http://schemas.microsoft.com/office/drawing/2010/main" val="0"/>
+              </a:ext>
+            </a:extLst>
+          </a:blip>
+          <a:stretch>
+            <a:fillRect/>
+          </a:stretch>
+        </p:blipFill>
+        <p:spPr>
+          <a:xfrm>
+            <a:off x="2613981" y="2350333"/>
+            <a:ext cx="1269672" cy="1189747"/>
+          </a:xfrm>
+          <a:prstGeom prst="rect">
+            <a:avLst/>
+          </a:prstGeom>
+        </p:spPr>
+      </p:pic>
+      <p:pic>
+        <p:nvPicPr>
+          <p:cNvPr id="11" name="Picture 10" descr="Tell Me box suggestions"/>
+          <p:cNvPicPr>
+            <a:picLocks noChangeAspect="1"/>
+          </p:cNvPicPr>
+          <p:nvPr/>
+        </p:nvPicPr>
+        <p:blipFill>
+          <a:blip r:embed="rId7">
+            <a:extLst>
+              <a:ext uri="{28A0092B-C50C-407E-A947-70E740481C1C}">
+                <a14:useLocalDpi xmlns:a14="http://schemas.microsoft.com/office/drawing/2010/main" val="0"/>
+              </a:ext>
+            </a:extLst>
+          </a:blip>
+          <a:stretch>
+            <a:fillRect/>
+          </a:stretch>
+        </p:blipFill>
+        <p:spPr>
+          <a:xfrm>
+            <a:off x="8408066" y="2761488"/>
+            <a:ext cx="2476156" cy="2001277"/>
+          </a:xfrm>
+          <a:prstGeom prst="rect">
+            <a:avLst/>
+          </a:prstGeom>
+        </p:spPr>
+      </p:pic>
+      <p:sp>
+        <p:nvSpPr>
+          <p:cNvPr id="9" name="TextBox 8"/>
+          <p:cNvSpPr txBox="1"/>
+          <p:nvPr/>
+        </p:nvSpPr>
+        <p:spPr>
+          <a:xfrm>
+            <a:off x="541611" y="5738132"/>
+            <a:ext cx="6193971" cy="307777"/>
+          </a:xfrm>
+          <a:prstGeom prst="rect">
+            <a:avLst/>
+          </a:prstGeom>
+          <a:noFill/>
+        </p:spPr>
+        <p:txBody>
+          <a:bodyPr wrap="square" rtlCol="0">
+            <a:spAutoFit/>
+          </a:bodyPr>
+          <a:lstStyle/>
+          <a:p>
+            <a:pPr algn="l"/>
+            <a:r>
+              <a:rPr lang="en-IN" sz="1400" dirty="0">
+                <a:latin typeface="Segoe UI Light" panose="020B0502040204020203" pitchFamily="34" charset="0"/>
+                <a:cs typeface="Segoe UI Light" panose="020B0502040204020203" pitchFamily="34" charset="0"/>
+              </a:rPr>
+              <a:t>SELECT THE ARROW WHEN IN SLIDE SHOW MODE</a:t>
+            </a:r>
+            <a:endParaRPr lang="en-US" sz="1400" dirty="0">
+              <a:latin typeface="Segoe UI Light" panose="020B0502040204020203" pitchFamily="34" charset="0"/>
+              <a:cs typeface="Segoe UI Light" panose="020B0502040204020203" pitchFamily="34" charset="0"/>
+            </a:endParaRPr>
+          </a:p>
+        </p:txBody>
+      </p:sp>
+      <p:pic>
+        <p:nvPicPr>
+          <p:cNvPr id="8" name="Picture 7" descr="Arrow pointing right with a hyperlink to the PowerPoint team blog. Select the image to visit the PowerPoint team blog ">
+            <a:hlinkClick r:id="rId3" tooltip="Select here to visit the PowerPoint team blog."/>
+          </p:cNvPr>
+          <p:cNvPicPr>
+            <a:picLocks noChangeAspect="1"/>
+          </p:cNvPicPr>
+          <p:nvPr/>
+        </p:nvPicPr>
+        <p:blipFill>
+          <a:blip r:embed="rId8" cstate="print">
+            <a:extLst>
+              <a:ext uri="{28A0092B-C50C-407E-A947-70E740481C1C}">
+                <a14:useLocalDpi xmlns:a14="http://schemas.microsoft.com/office/drawing/2010/main" val="0"/>
+              </a:ext>
+            </a:extLst>
+          </a:blip>
+          <a:stretch>
+            <a:fillRect/>
+          </a:stretch>
+        </p:blipFill>
+        <p:spPr>
+          <a:xfrm>
+            <a:off x="4009398" y="3566804"/>
+            <a:ext cx="661940" cy="661940"/>
+          </a:xfrm>
+          <a:prstGeom prst="rect">
+            <a:avLst/>
+          </a:prstGeom>
+        </p:spPr>
+      </p:pic>
+      <p:pic>
+        <p:nvPicPr>
+          <p:cNvPr id="7" name="Picture 6" descr="Arrow pointing right with a hyperlink to free PowerPoint training. Select the image to access free PowerPoint training">
+            <a:hlinkClick r:id="rId4" tooltip="Select here to go to free PowerPoint training."/>
+          </p:cNvPr>
+          <p:cNvPicPr>
+            <a:picLocks noChangeAspect="1"/>
+          </p:cNvPicPr>
+          <p:nvPr/>
+        </p:nvPicPr>
+        <p:blipFill>
+          <a:blip r:embed="rId8" cstate="print">
+            <a:extLst>
+              <a:ext uri="{28A0092B-C50C-407E-A947-70E740481C1C}">
+                <a14:useLocalDpi xmlns:a14="http://schemas.microsoft.com/office/drawing/2010/main" val="0"/>
+              </a:ext>
+            </a:extLst>
+          </a:blip>
+          <a:stretch>
+            <a:fillRect/>
+          </a:stretch>
+        </p:blipFill>
+        <p:spPr>
+          <a:xfrm>
+            <a:off x="4009398" y="4252716"/>
+            <a:ext cx="661940" cy="661940"/>
+          </a:xfrm>
+          <a:prstGeom prst="rect">
+            <a:avLst/>
+          </a:prstGeom>
+        </p:spPr>
+      </p:pic>
+      <p:pic>
+        <p:nvPicPr>
+          <p:cNvPr id="12" name="Picture 11" descr="Arrow pointing right with a hyperlink to give feedback about this tour. Select the image to give feedback about this tour">
+            <a:hlinkClick r:id="rId5" tooltip="Select here to give feedback about this tour."/>
+            <a:extLst>
+              <a:ext uri="{FF2B5EF4-FFF2-40B4-BE49-F238E27FC236}">
+                <a16:creationId xmlns:a16="http://schemas.microsoft.com/office/drawing/2014/main" id="{BA92070A-4E3D-4794-84A9-83B8DDF3A125}"/>
+              </a:ext>
+            </a:extLst>
+          </p:cNvPr>
+          <p:cNvPicPr>
+            <a:picLocks noChangeAspect="1"/>
+          </p:cNvPicPr>
+          <p:nvPr/>
+        </p:nvPicPr>
+        <p:blipFill>
+          <a:blip r:embed="rId8" cstate="print">
+            <a:extLst>
+              <a:ext uri="{28A0092B-C50C-407E-A947-70E740481C1C}">
+                <a14:useLocalDpi xmlns:a14="http://schemas.microsoft.com/office/drawing/2010/main" val="0"/>
+              </a:ext>
+            </a:extLst>
+          </a:blip>
+          <a:stretch>
+            <a:fillRect/>
+          </a:stretch>
+        </p:blipFill>
+        <p:spPr>
+          <a:xfrm>
+            <a:off x="4009398" y="4944145"/>
+            <a:ext cx="661940" cy="661940"/>
+          </a:xfrm>
+          <a:prstGeom prst="rect">
+            <a:avLst/>
+          </a:prstGeom>
+        </p:spPr>
+      </p:pic>
+    </p:spTree>
+    <p:extLst>
+      <p:ext uri="{BB962C8B-B14F-4D97-AF65-F5344CB8AC3E}">
+        <p14:creationId xmlns:p14="http://schemas.microsoft.com/office/powerpoint/2010/main" val="893025881"/>
+      </p:ext>
+    </p:extLst>
+  </p:cSld>
+  <p:clrMapOvr>
+    <a:masterClrMapping/>
+  </p:clrMapOvr>
+  <mc:AlternateContent xmlns:mc="http://schemas.openxmlformats.org/markup-compatibility/2006" xmlns:p15="http://schemas.microsoft.com/office/powerpoint/2012/main">
+    <mc:Choice Requires="p15">
+      <p:transition xmlns:p14="http://schemas.microsoft.com/office/powerpoint/2010/main" spd="slow" p14:dur="2000">
+        <p15:prstTrans prst="drape"/>
+      </p:transition>
+    </mc:Choice>
+    <mc:Fallback xmlns="">
+      <p:transition xmlns:p14="http://schemas.microsoft.com/office/powerpoint/2010/main" spd="slow">
+        <p:fade/>
+      </p:transition>
+    </mc:Fallback>
+  </mc:AlternateContent>
+</p:sld>
+</file>
+
 <file path=ppt/slides/slide2.xml><?xml version="1.0" encoding="utf-8"?>
 <p:sld xmlns:a="http://schemas.openxmlformats.org/drawingml/2006/main" xmlns:r="http://schemas.openxmlformats.org/officeDocument/2006/relationships" xmlns:p="http://schemas.openxmlformats.org/presentationml/2006/main">
   <p:cSld>
@@ -9502,7 +9944,7 @@
           <a:effectLst/>
           <a:extLst>
             <a:ext uri="{C572A759-6A51-4108-AA02-DFA0A04FC94B}">
-              <ma14:wrappingTextBoxFlag xmlns:ma14="http://schemas.microsoft.com/office/mac/drawingml/2011/main" xmlns=""/>
+              <ma14:wrappingTextBoxFlag xmlns="" xmlns:ma14="http://schemas.microsoft.com/office/mac/drawingml/2011/main"/>
             </a:ext>
           </a:extLst>
         </p:spPr>
@@ -11991,7 +12433,7 @@
       </p:grpSpPr>
       <p:sp>
         <p:nvSpPr>
-          <p:cNvPr id="10" name="Title 9"/>
+          <p:cNvPr id="8" name="Title 7"/>
           <p:cNvSpPr>
             <a:spLocks noGrp="1"/>
           </p:cNvSpPr>
@@ -12001,9 +12443,7 @@
         </p:nvSpPr>
         <p:spPr/>
         <p:txBody>
-          <a:bodyPr>
-            <a:normAutofit/>
-          </a:bodyPr>
+          <a:bodyPr/>
           <a:lstStyle/>
           <a:p>
             <a:r>
@@ -12011,187 +12451,259 @@
                 <a:latin typeface="Segoe UI Light" panose="020B0502040204020203" pitchFamily="34" charset="0"/>
                 <a:cs typeface="Segoe UI Light" panose="020B0502040204020203" pitchFamily="34" charset="0"/>
               </a:rPr>
-              <a:t>More questions about PowerPoint?</a:t>
-            </a:r>
-          </a:p>
-        </p:txBody>
-      </p:sp>
-      <p:sp>
-        <p:nvSpPr>
-          <p:cNvPr id="5" name="Content Placeholder 4"/>
-          <p:cNvSpPr>
-            <a:spLocks noGrp="1"/>
-          </p:cNvSpPr>
-          <p:nvPr>
-            <p:ph sz="half" idx="4294967295"/>
-          </p:nvPr>
-        </p:nvSpPr>
-        <p:spPr>
-          <a:xfrm>
-            <a:off x="541611" y="2614427"/>
-            <a:ext cx="9442648" cy="3978275"/>
-          </a:xfrm>
-        </p:spPr>
-        <p:txBody>
-          <a:bodyPr>
-            <a:normAutofit/>
-          </a:bodyPr>
-          <a:lstStyle/>
-          <a:p>
-            <a:pPr marL="0" indent="0">
-              <a:lnSpc>
-                <a:spcPts val="3600"/>
-              </a:lnSpc>
-              <a:spcAft>
-                <a:spcPts val="0"/>
-              </a:spcAft>
-              <a:buNone/>
-            </a:pPr>
-            <a:r>
-              <a:rPr lang="en-US" sz="2000" dirty="0">
-                <a:latin typeface="Segoe UI Light" panose="020B0502040204020203" pitchFamily="34" charset="0"/>
-                <a:cs typeface="Segoe UI Light" panose="020B0502040204020203" pitchFamily="34" charset="0"/>
-              </a:rPr>
-              <a:t>Select the </a:t>
-            </a:r>
-            <a:r>
-              <a:rPr lang="en-US" sz="2000" dirty="0">
-                <a:solidFill>
-                  <a:srgbClr val="D24726"/>
-                </a:solidFill>
-                <a:latin typeface="Segoe UI Semibold" panose="020B0702040204020203" pitchFamily="34" charset="0"/>
-                <a:cs typeface="Segoe UI Semibold" panose="020B0702040204020203" pitchFamily="34" charset="0"/>
-              </a:rPr>
-              <a:t>Tell Me                   </a:t>
-            </a:r>
-            <a:r>
-              <a:rPr lang="en-US" sz="2000" dirty="0">
-                <a:latin typeface="Segoe UI Light" panose="020B0502040204020203" pitchFamily="34" charset="0"/>
-                <a:cs typeface="Segoe UI Light" panose="020B0502040204020203" pitchFamily="34" charset="0"/>
-              </a:rPr>
-              <a:t>button and type what you want to know.</a:t>
-            </a:r>
-            <a:br>
-              <a:rPr lang="en-US" sz="2000" dirty="0">
-                <a:latin typeface="Segoe UI Light" panose="020B0502040204020203" pitchFamily="34" charset="0"/>
-                <a:cs typeface="Segoe UI Light" panose="020B0502040204020203" pitchFamily="34" charset="0"/>
-              </a:rPr>
-            </a:br>
-            <a:endParaRPr lang="en-US" sz="2000" dirty="0">
-              <a:latin typeface="Segoe UI Light" panose="020B0502040204020203" pitchFamily="34" charset="0"/>
-              <a:cs typeface="Segoe UI Light" panose="020B0502040204020203" pitchFamily="34" charset="0"/>
-            </a:endParaRPr>
-          </a:p>
-          <a:p>
-            <a:pPr marL="0" indent="0">
-              <a:lnSpc>
-                <a:spcPts val="3600"/>
-              </a:lnSpc>
-              <a:spcAft>
-                <a:spcPts val="0"/>
-              </a:spcAft>
-              <a:buNone/>
-            </a:pPr>
-            <a:r>
-              <a:rPr lang="en-US" sz="2000" u="sng" dirty="0">
-                <a:latin typeface="Segoe UI Light" panose="020B0502040204020203" pitchFamily="34" charset="0"/>
-                <a:cs typeface="Segoe UI Light" panose="020B0502040204020203" pitchFamily="34" charset="0"/>
-                <a:hlinkClick r:id="rId3" tooltip="Visit the PowerPoint team blog"/>
-              </a:rPr>
-              <a:t>Visit the PowerPoint team blog</a:t>
-            </a:r>
-            <a:endParaRPr lang="en-US" sz="2000" dirty="0">
-              <a:latin typeface="Segoe UI Light" panose="020B0502040204020203" pitchFamily="34" charset="0"/>
-              <a:cs typeface="Segoe UI Light" panose="020B0502040204020203" pitchFamily="34" charset="0"/>
-            </a:endParaRPr>
-          </a:p>
-          <a:p>
-            <a:pPr marL="0" indent="0">
-              <a:lnSpc>
-                <a:spcPts val="3600"/>
-              </a:lnSpc>
-              <a:spcBef>
-                <a:spcPts val="1500"/>
-              </a:spcBef>
-              <a:spcAft>
-                <a:spcPts val="0"/>
-              </a:spcAft>
-              <a:buNone/>
-            </a:pPr>
-            <a:r>
-              <a:rPr lang="en-US" sz="2000" dirty="0">
-                <a:latin typeface="Segoe UI Light" panose="020B0502040204020203" pitchFamily="34" charset="0"/>
-                <a:cs typeface="Segoe UI Light" panose="020B0502040204020203" pitchFamily="34" charset="0"/>
-                <a:hlinkClick r:id="rId4" tooltip="Go to free PowerPoint training"/>
-              </a:rPr>
-              <a:t>Go to free PowerPoint training</a:t>
-            </a:r>
-            <a:endParaRPr lang="en-US" sz="2000" dirty="0">
-              <a:latin typeface="Segoe UI Light" panose="020B0502040204020203" pitchFamily="34" charset="0"/>
-              <a:cs typeface="Segoe UI Light" panose="020B0502040204020203" pitchFamily="34" charset="0"/>
-            </a:endParaRPr>
-          </a:p>
-          <a:p>
-            <a:pPr marL="0" indent="0">
-              <a:lnSpc>
-                <a:spcPts val="3600"/>
-              </a:lnSpc>
-              <a:spcBef>
-                <a:spcPts val="1500"/>
-              </a:spcBef>
-              <a:spcAft>
-                <a:spcPts val="0"/>
-              </a:spcAft>
-              <a:buNone/>
-            </a:pPr>
-            <a:r>
-              <a:rPr lang="en-US" sz="2000" dirty="0">
-                <a:latin typeface="Segoe UI Light" panose="020B0502040204020203" pitchFamily="34" charset="0"/>
-                <a:cs typeface="Segoe UI Light" panose="020B0502040204020203" pitchFamily="34" charset="0"/>
-                <a:hlinkClick r:id="rId5" tooltip="Give feedback about this tour"/>
-              </a:rPr>
-              <a:t>Give feedback about this tour</a:t>
-            </a:r>
-            <a:endParaRPr lang="en-US" sz="2000" dirty="0">
-              <a:latin typeface="Segoe UI Light" panose="020B0502040204020203" pitchFamily="34" charset="0"/>
-              <a:cs typeface="Segoe UI Light" panose="020B0502040204020203" pitchFamily="34" charset="0"/>
-            </a:endParaRPr>
-          </a:p>
-          <a:p>
-            <a:pPr marL="0" indent="0">
-              <a:lnSpc>
-                <a:spcPts val="3600"/>
-              </a:lnSpc>
-              <a:spcAft>
-                <a:spcPts val="0"/>
-              </a:spcAft>
-              <a:buNone/>
-            </a:pPr>
-            <a:endParaRPr lang="en-US" sz="2000" dirty="0">
-              <a:latin typeface="Segoe UI Light" panose="020B0502040204020203" pitchFamily="34" charset="0"/>
-              <a:cs typeface="Segoe UI Light" panose="020B0502040204020203" pitchFamily="34" charset="0"/>
-            </a:endParaRPr>
-          </a:p>
-          <a:p>
-            <a:pPr marL="0" indent="0">
-              <a:lnSpc>
-                <a:spcPts val="3600"/>
-              </a:lnSpc>
-              <a:spcAft>
-                <a:spcPts val="0"/>
-              </a:spcAft>
-              <a:buNone/>
-            </a:pPr>
-            <a:endParaRPr lang="en-US" sz="2000" dirty="0">
-              <a:latin typeface="Segoe UI Light" panose="020B0502040204020203" pitchFamily="34" charset="0"/>
-              <a:cs typeface="Segoe UI Light" panose="020B0502040204020203" pitchFamily="34" charset="0"/>
-            </a:endParaRPr>
+              <a:t>ICONS</a:t>
+            </a:r>
           </a:p>
         </p:txBody>
       </p:sp>
       <p:pic>
         <p:nvPicPr>
-          <p:cNvPr id="2" name="Picture 1" descr="Tell Me button"/>
+          <p:cNvPr id="20" name="Picture 19">
+            <a:extLst>
+              <a:ext uri="{FF2B5EF4-FFF2-40B4-BE49-F238E27FC236}">
+                <a16:creationId xmlns:a16="http://schemas.microsoft.com/office/drawing/2014/main" id="{4CFE46C4-818A-A34B-82F3-300858C02A11}"/>
+              </a:ext>
+            </a:extLst>
+          </p:cNvPr>
+          <p:cNvPicPr>
+            <a:picLocks noChangeAspect="1"/>
+          </p:cNvPicPr>
+          <p:nvPr/>
+        </p:nvPicPr>
+        <p:blipFill>
+          <a:blip r:embed="rId2" cstate="print">
+            <a:extLst>
+              <a:ext uri="{28A0092B-C50C-407E-A947-70E740481C1C}">
+                <a14:useLocalDpi xmlns:a14="http://schemas.microsoft.com/office/drawing/2010/main" val="0"/>
+              </a:ext>
+            </a:extLst>
+          </a:blip>
+          <a:stretch>
+            <a:fillRect/>
+          </a:stretch>
+        </p:blipFill>
+        <p:spPr>
+          <a:xfrm>
+            <a:off x="910025" y="1652407"/>
+            <a:ext cx="720000" cy="720000"/>
+          </a:xfrm>
+          <a:prstGeom prst="rect">
+            <a:avLst/>
+          </a:prstGeom>
+        </p:spPr>
+      </p:pic>
+      <p:sp>
+        <p:nvSpPr>
+          <p:cNvPr id="21" name="TextBox 20">
+            <a:extLst>
+              <a:ext uri="{FF2B5EF4-FFF2-40B4-BE49-F238E27FC236}">
+                <a16:creationId xmlns:a16="http://schemas.microsoft.com/office/drawing/2014/main" id="{3EB13E18-1F23-7047-BB5B-9929C7F04DCE}"/>
+              </a:ext>
+            </a:extLst>
+          </p:cNvPr>
+          <p:cNvSpPr txBox="1"/>
+          <p:nvPr/>
+        </p:nvSpPr>
+        <p:spPr>
+          <a:xfrm>
+            <a:off x="625458" y="2372407"/>
+            <a:ext cx="1289135" cy="276999"/>
+          </a:xfrm>
+          <a:prstGeom prst="rect">
+            <a:avLst/>
+          </a:prstGeom>
+          <a:noFill/>
+        </p:spPr>
+        <p:txBody>
+          <a:bodyPr wrap="none" rtlCol="0">
+            <a:spAutoFit/>
+          </a:bodyPr>
+          <a:lstStyle/>
+          <a:p>
+            <a:r>
+              <a:rPr lang="en-US" sz="1200" b="1" dirty="0">
+                <a:latin typeface="+mj-lt"/>
+              </a:rPr>
+              <a:t>Product Owner</a:t>
+            </a:r>
+          </a:p>
+        </p:txBody>
+      </p:sp>
+      <p:grpSp>
+        <p:nvGrpSpPr>
+          <p:cNvPr id="2" name="Group 1">
+            <a:extLst>
+              <a:ext uri="{FF2B5EF4-FFF2-40B4-BE49-F238E27FC236}">
+                <a16:creationId xmlns:a16="http://schemas.microsoft.com/office/drawing/2014/main" id="{AAF2ACC1-746D-AE41-9A7A-531F5A48A9D6}"/>
+              </a:ext>
+            </a:extLst>
+          </p:cNvPr>
+          <p:cNvGrpSpPr/>
+          <p:nvPr/>
+        </p:nvGrpSpPr>
+        <p:grpSpPr>
+          <a:xfrm>
+            <a:off x="2238013" y="1826941"/>
+            <a:ext cx="1721753" cy="822465"/>
+            <a:chOff x="139149" y="3509146"/>
+            <a:chExt cx="1721753" cy="822465"/>
+          </a:xfrm>
+        </p:grpSpPr>
+        <p:pic>
+          <p:nvPicPr>
+            <p:cNvPr id="22" name="Picture 21">
+              <a:extLst>
+                <a:ext uri="{FF2B5EF4-FFF2-40B4-BE49-F238E27FC236}">
+                  <a16:creationId xmlns:a16="http://schemas.microsoft.com/office/drawing/2014/main" id="{0C471BD4-A0AF-944A-80BC-C8CD631E4118}"/>
+                </a:ext>
+              </a:extLst>
+            </p:cNvPr>
+            <p:cNvPicPr>
+              <a:picLocks noChangeAspect="1"/>
+            </p:cNvPicPr>
+            <p:nvPr/>
+          </p:nvPicPr>
+          <p:blipFill>
+            <a:blip r:embed="rId3" cstate="print">
+              <a:extLst>
+                <a:ext uri="{28A0092B-C50C-407E-A947-70E740481C1C}">
+                  <a14:useLocalDpi xmlns:a14="http://schemas.microsoft.com/office/drawing/2010/main" val="0"/>
+                </a:ext>
+              </a:extLst>
+            </a:blip>
+            <a:stretch>
+              <a:fillRect/>
+            </a:stretch>
+          </p:blipFill>
+          <p:spPr>
+            <a:xfrm>
+              <a:off x="1190607" y="3509146"/>
+              <a:ext cx="540000" cy="540000"/>
+            </a:xfrm>
+            <a:prstGeom prst="rect">
+              <a:avLst/>
+            </a:prstGeom>
+          </p:spPr>
+        </p:pic>
+        <p:pic>
+          <p:nvPicPr>
+            <p:cNvPr id="23" name="Picture 22">
+              <a:extLst>
+                <a:ext uri="{FF2B5EF4-FFF2-40B4-BE49-F238E27FC236}">
+                  <a16:creationId xmlns:a16="http://schemas.microsoft.com/office/drawing/2014/main" id="{3DCF30B1-84AA-3B46-A2A6-849C510564B4}"/>
+                </a:ext>
+              </a:extLst>
+            </p:cNvPr>
+            <p:cNvPicPr>
+              <a:picLocks noChangeAspect="1"/>
+            </p:cNvPicPr>
+            <p:nvPr/>
+          </p:nvPicPr>
+          <p:blipFill>
+            <a:blip r:embed="rId4" cstate="print">
+              <a:extLst>
+                <a:ext uri="{28A0092B-C50C-407E-A947-70E740481C1C}">
+                  <a14:useLocalDpi xmlns:a14="http://schemas.microsoft.com/office/drawing/2010/main" val="0"/>
+                </a:ext>
+              </a:extLst>
+            </a:blip>
+            <a:stretch>
+              <a:fillRect/>
+            </a:stretch>
+          </p:blipFill>
+          <p:spPr>
+            <a:xfrm>
+              <a:off x="730026" y="3510254"/>
+              <a:ext cx="540000" cy="540000"/>
+            </a:xfrm>
+            <a:prstGeom prst="rect">
+              <a:avLst/>
+            </a:prstGeom>
+          </p:spPr>
+        </p:pic>
+        <p:pic>
+          <p:nvPicPr>
+            <p:cNvPr id="24" name="Picture 23">
+              <a:extLst>
+                <a:ext uri="{FF2B5EF4-FFF2-40B4-BE49-F238E27FC236}">
+                  <a16:creationId xmlns:a16="http://schemas.microsoft.com/office/drawing/2014/main" id="{942094D7-9208-CE43-9102-464176AEC63C}"/>
+                </a:ext>
+              </a:extLst>
+            </p:cNvPr>
+            <p:cNvPicPr>
+              <a:picLocks noChangeAspect="1"/>
+            </p:cNvPicPr>
+            <p:nvPr/>
+          </p:nvPicPr>
+          <p:blipFill>
+            <a:blip r:embed="rId5" cstate="print">
+              <a:extLst>
+                <a:ext uri="{28A0092B-C50C-407E-A947-70E740481C1C}">
+                  <a14:useLocalDpi xmlns:a14="http://schemas.microsoft.com/office/drawing/2010/main" val="0"/>
+                </a:ext>
+              </a:extLst>
+            </a:blip>
+            <a:stretch>
+              <a:fillRect/>
+            </a:stretch>
+          </p:blipFill>
+          <p:spPr>
+            <a:xfrm>
+              <a:off x="262884" y="3509146"/>
+              <a:ext cx="540000" cy="540000"/>
+            </a:xfrm>
+            <a:prstGeom prst="rect">
+              <a:avLst/>
+            </a:prstGeom>
+          </p:spPr>
+        </p:pic>
+        <p:sp>
+          <p:nvSpPr>
+            <p:cNvPr id="25" name="TextBox 24">
+              <a:extLst>
+                <a:ext uri="{FF2B5EF4-FFF2-40B4-BE49-F238E27FC236}">
+                  <a16:creationId xmlns:a16="http://schemas.microsoft.com/office/drawing/2014/main" id="{0FE3CCD0-6626-0942-B3A7-0DDD38DD8D18}"/>
+                </a:ext>
+              </a:extLst>
+            </p:cNvPr>
+            <p:cNvSpPr txBox="1"/>
+            <p:nvPr/>
+          </p:nvSpPr>
+          <p:spPr>
+            <a:xfrm>
+              <a:off x="139149" y="4054612"/>
+              <a:ext cx="1721753" cy="276999"/>
+            </a:xfrm>
+            <a:prstGeom prst="rect">
+              <a:avLst/>
+            </a:prstGeom>
+            <a:noFill/>
+          </p:spPr>
+          <p:txBody>
+            <a:bodyPr wrap="none" rtlCol="0">
+              <a:spAutoFit/>
+            </a:bodyPr>
+            <a:lstStyle/>
+            <a:p>
+              <a:r>
+                <a:rPr lang="en-US" sz="1200" b="1" dirty="0">
+                  <a:latin typeface="+mj-lt"/>
+                </a:rPr>
+                <a:t>Product Owner Team</a:t>
+              </a:r>
+            </a:p>
+          </p:txBody>
+        </p:sp>
+      </p:grpSp>
+      <p:pic>
+        <p:nvPicPr>
+          <p:cNvPr id="27" name="Picture 26">
+            <a:extLst>
+              <a:ext uri="{FF2B5EF4-FFF2-40B4-BE49-F238E27FC236}">
+                <a16:creationId xmlns:a16="http://schemas.microsoft.com/office/drawing/2014/main" id="{3FF9AAFE-0CCD-CF47-AE9E-5FD0E0F3A543}"/>
+              </a:ext>
+            </a:extLst>
+          </p:cNvPr>
           <p:cNvPicPr>
             <a:picLocks noChangeAspect="1"/>
           </p:cNvPicPr>
@@ -12211,38 +12723,8 @@
         </p:blipFill>
         <p:spPr>
           <a:xfrm>
-            <a:off x="2613981" y="2350333"/>
-            <a:ext cx="1269672" cy="1189747"/>
-          </a:xfrm>
-          <a:prstGeom prst="rect">
-            <a:avLst/>
-          </a:prstGeom>
-        </p:spPr>
-      </p:pic>
-      <p:pic>
-        <p:nvPicPr>
-          <p:cNvPr id="11" name="Picture 10" descr="Tell Me box suggestions"/>
-          <p:cNvPicPr>
-            <a:picLocks noChangeAspect="1"/>
-          </p:cNvPicPr>
-          <p:nvPr/>
-        </p:nvPicPr>
-        <p:blipFill>
-          <a:blip r:embed="rId7">
-            <a:extLst>
-              <a:ext uri="{28A0092B-C50C-407E-A947-70E740481C1C}">
-                <a14:useLocalDpi xmlns:a14="http://schemas.microsoft.com/office/drawing/2010/main" val="0"/>
-              </a:ext>
-            </a:extLst>
-          </a:blip>
-          <a:stretch>
-            <a:fillRect/>
-          </a:stretch>
-        </p:blipFill>
-        <p:spPr>
-          <a:xfrm>
-            <a:off x="8408066" y="2761488"/>
-            <a:ext cx="2476156" cy="2001277"/>
+            <a:off x="764531" y="3449726"/>
+            <a:ext cx="756000" cy="756000"/>
           </a:xfrm>
           <a:prstGeom prst="rect">
             <a:avLst/>
@@ -12251,14 +12733,20 @@
       </p:pic>
       <p:sp>
         <p:nvSpPr>
-          <p:cNvPr id="9" name="TextBox 8"/>
+          <p:cNvPr id="28" name="TextBox 27">
+            <a:extLst>
+              <a:ext uri="{FF2B5EF4-FFF2-40B4-BE49-F238E27FC236}">
+                <a16:creationId xmlns:a16="http://schemas.microsoft.com/office/drawing/2014/main" id="{A00BB58A-2481-3043-90B4-BACF4841EB10}"/>
+              </a:ext>
+            </a:extLst>
+          </p:cNvPr>
           <p:cNvSpPr txBox="1"/>
           <p:nvPr/>
         </p:nvSpPr>
         <p:spPr>
           <a:xfrm>
-            <a:off x="541611" y="5738132"/>
-            <a:ext cx="6193971" cy="307777"/>
+            <a:off x="521207" y="4205726"/>
+            <a:ext cx="1242648" cy="276999"/>
           </a:xfrm>
           <a:prstGeom prst="rect">
             <a:avLst/>
@@ -12266,147 +12754,607 @@
           <a:noFill/>
         </p:spPr>
         <p:txBody>
-          <a:bodyPr wrap="square" rtlCol="0">
+          <a:bodyPr wrap="none" rtlCol="0">
             <a:spAutoFit/>
           </a:bodyPr>
           <a:lstStyle/>
           <a:p>
-            <a:pPr algn="l"/>
-            <a:r>
-              <a:rPr lang="en-IN" sz="1400" dirty="0">
-                <a:latin typeface="Segoe UI Light" panose="020B0502040204020203" pitchFamily="34" charset="0"/>
-                <a:cs typeface="Segoe UI Light" panose="020B0502040204020203" pitchFamily="34" charset="0"/>
-              </a:rPr>
-              <a:t>SELECT THE ARROW WHEN IN SLIDE SHOW MODE</a:t>
-            </a:r>
-            <a:endParaRPr lang="en-US" sz="1400" dirty="0">
-              <a:latin typeface="Segoe UI Light" panose="020B0502040204020203" pitchFamily="34" charset="0"/>
-              <a:cs typeface="Segoe UI Light" panose="020B0502040204020203" pitchFamily="34" charset="0"/>
-            </a:endParaRPr>
+            <a:r>
+              <a:rPr lang="en-US" sz="1200" b="1" dirty="0">
+                <a:latin typeface="+mj-lt"/>
+              </a:rPr>
+              <a:t>Scrum Master</a:t>
+            </a:r>
           </a:p>
         </p:txBody>
       </p:sp>
-      <p:pic>
-        <p:nvPicPr>
-          <p:cNvPr id="8" name="Picture 7" descr="Arrow pointing right with a hyperlink to the PowerPoint team blog. Select the image to visit the PowerPoint team blog ">
-            <a:hlinkClick r:id="rId3" tooltip="Select here to visit the PowerPoint team blog."/>
-          </p:cNvPr>
-          <p:cNvPicPr>
-            <a:picLocks noChangeAspect="1"/>
-          </p:cNvPicPr>
-          <p:nvPr/>
-        </p:nvPicPr>
-        <p:blipFill>
-          <a:blip r:embed="rId8" cstate="print">
-            <a:extLst>
-              <a:ext uri="{28A0092B-C50C-407E-A947-70E740481C1C}">
-                <a14:useLocalDpi xmlns:a14="http://schemas.microsoft.com/office/drawing/2010/main" val="0"/>
-              </a:ext>
-            </a:extLst>
-          </a:blip>
-          <a:stretch>
-            <a:fillRect/>
-          </a:stretch>
-        </p:blipFill>
-        <p:spPr>
-          <a:xfrm>
-            <a:off x="4009398" y="3566804"/>
-            <a:ext cx="661940" cy="661940"/>
-          </a:xfrm>
-          <a:prstGeom prst="rect">
-            <a:avLst/>
-          </a:prstGeom>
-        </p:spPr>
-      </p:pic>
-      <p:pic>
-        <p:nvPicPr>
-          <p:cNvPr id="7" name="Picture 6" descr="Arrow pointing right with a hyperlink to free PowerPoint training. Select the image to access free PowerPoint training">
-            <a:hlinkClick r:id="rId4" tooltip="Select here to go to free PowerPoint training."/>
-          </p:cNvPr>
-          <p:cNvPicPr>
-            <a:picLocks noChangeAspect="1"/>
-          </p:cNvPicPr>
-          <p:nvPr/>
-        </p:nvPicPr>
-        <p:blipFill>
-          <a:blip r:embed="rId8" cstate="print">
-            <a:extLst>
-              <a:ext uri="{28A0092B-C50C-407E-A947-70E740481C1C}">
-                <a14:useLocalDpi xmlns:a14="http://schemas.microsoft.com/office/drawing/2010/main" val="0"/>
-              </a:ext>
-            </a:extLst>
-          </a:blip>
-          <a:stretch>
-            <a:fillRect/>
-          </a:stretch>
-        </p:blipFill>
-        <p:spPr>
-          <a:xfrm>
-            <a:off x="4009398" y="4252716"/>
-            <a:ext cx="661940" cy="661940"/>
-          </a:xfrm>
-          <a:prstGeom prst="rect">
-            <a:avLst/>
-          </a:prstGeom>
-        </p:spPr>
-      </p:pic>
-      <p:pic>
-        <p:nvPicPr>
-          <p:cNvPr id="12" name="Picture 11" descr="Arrow pointing right with a hyperlink to give feedback about this tour. Select the image to give feedback about this tour">
-            <a:hlinkClick r:id="rId5" tooltip="Select here to give feedback about this tour."/>
+      <p:grpSp>
+        <p:nvGrpSpPr>
+          <p:cNvPr id="29" name="Group 28">
             <a:extLst>
               <a:ext uri="{FF2B5EF4-FFF2-40B4-BE49-F238E27FC236}">
-                <a16:creationId xmlns:a16="http://schemas.microsoft.com/office/drawing/2014/main" id="{BA92070A-4E3D-4794-84A9-83B8DDF3A125}"/>
+                <a16:creationId xmlns:a16="http://schemas.microsoft.com/office/drawing/2014/main" id="{2A7C9E9A-26B5-0846-9821-EB7496CC99DB}"/>
               </a:ext>
             </a:extLst>
           </p:cNvPr>
-          <p:cNvPicPr>
-            <a:picLocks noChangeAspect="1"/>
-          </p:cNvPicPr>
+          <p:cNvGrpSpPr/>
           <p:nvPr/>
-        </p:nvPicPr>
-        <p:blipFill>
-          <a:blip r:embed="rId8" cstate="print">
+        </p:nvGrpSpPr>
+        <p:grpSpPr>
+          <a:xfrm>
+            <a:off x="7937563" y="1652407"/>
+            <a:ext cx="2443516" cy="996999"/>
+            <a:chOff x="558134" y="3350520"/>
+            <a:chExt cx="2443516" cy="996999"/>
+          </a:xfrm>
+        </p:grpSpPr>
+        <p:pic>
+          <p:nvPicPr>
+            <p:cNvPr id="30" name="Picture 29">
+              <a:extLst>
+                <a:ext uri="{FF2B5EF4-FFF2-40B4-BE49-F238E27FC236}">
+                  <a16:creationId xmlns:a16="http://schemas.microsoft.com/office/drawing/2014/main" id="{3D46CFED-DA7A-CC4A-B972-E5B575C5C391}"/>
+                </a:ext>
+              </a:extLst>
+            </p:cNvPr>
+            <p:cNvPicPr>
+              <a:picLocks noChangeAspect="1"/>
+            </p:cNvPicPr>
+            <p:nvPr/>
+          </p:nvPicPr>
+          <p:blipFill>
+            <a:blip r:embed="rId7" cstate="print">
+              <a:extLst>
+                <a:ext uri="{28A0092B-C50C-407E-A947-70E740481C1C}">
+                  <a14:useLocalDpi xmlns:a14="http://schemas.microsoft.com/office/drawing/2010/main" val="0"/>
+                </a:ext>
+              </a:extLst>
+            </a:blip>
+            <a:stretch>
+              <a:fillRect/>
+            </a:stretch>
+          </p:blipFill>
+          <p:spPr>
+            <a:xfrm>
+              <a:off x="2281650" y="3350520"/>
+              <a:ext cx="720000" cy="720000"/>
+            </a:xfrm>
+            <a:prstGeom prst="rect">
+              <a:avLst/>
+            </a:prstGeom>
+          </p:spPr>
+        </p:pic>
+        <p:pic>
+          <p:nvPicPr>
+            <p:cNvPr id="31" name="Picture 30">
+              <a:extLst>
+                <a:ext uri="{FF2B5EF4-FFF2-40B4-BE49-F238E27FC236}">
+                  <a16:creationId xmlns:a16="http://schemas.microsoft.com/office/drawing/2014/main" id="{462E3619-022A-D749-BD8C-DF6A0E6C54C9}"/>
+                </a:ext>
+              </a:extLst>
+            </p:cNvPr>
+            <p:cNvPicPr>
+              <a:picLocks noChangeAspect="1"/>
+            </p:cNvPicPr>
+            <p:nvPr/>
+          </p:nvPicPr>
+          <p:blipFill>
+            <a:blip r:embed="rId8" cstate="print">
+              <a:extLst>
+                <a:ext uri="{28A0092B-C50C-407E-A947-70E740481C1C}">
+                  <a14:useLocalDpi xmlns:a14="http://schemas.microsoft.com/office/drawing/2010/main" val="0"/>
+                </a:ext>
+              </a:extLst>
+            </a:blip>
+            <a:stretch>
+              <a:fillRect/>
+            </a:stretch>
+          </p:blipFill>
+          <p:spPr>
+            <a:xfrm>
+              <a:off x="558134" y="3350520"/>
+              <a:ext cx="720000" cy="720000"/>
+            </a:xfrm>
+            <a:prstGeom prst="rect">
+              <a:avLst/>
+            </a:prstGeom>
+          </p:spPr>
+        </p:pic>
+        <p:pic>
+          <p:nvPicPr>
+            <p:cNvPr id="32" name="Picture 31">
+              <a:extLst>
+                <a:ext uri="{FF2B5EF4-FFF2-40B4-BE49-F238E27FC236}">
+                  <a16:creationId xmlns:a16="http://schemas.microsoft.com/office/drawing/2014/main" id="{A93713F7-FB0F-FE4E-BA95-AC4B938CA36A}"/>
+                </a:ext>
+              </a:extLst>
+            </p:cNvPr>
+            <p:cNvPicPr>
+              <a:picLocks noChangeAspect="1"/>
+            </p:cNvPicPr>
+            <p:nvPr/>
+          </p:nvPicPr>
+          <p:blipFill>
+            <a:blip r:embed="rId9" cstate="print">
+              <a:extLst>
+                <a:ext uri="{28A0092B-C50C-407E-A947-70E740481C1C}">
+                  <a14:useLocalDpi xmlns:a14="http://schemas.microsoft.com/office/drawing/2010/main" val="0"/>
+                </a:ext>
+              </a:extLst>
+            </a:blip>
+            <a:stretch>
+              <a:fillRect/>
+            </a:stretch>
+          </p:blipFill>
+          <p:spPr>
+            <a:xfrm>
+              <a:off x="1703890" y="3350520"/>
+              <a:ext cx="720000" cy="720000"/>
+            </a:xfrm>
+            <a:prstGeom prst="rect">
+              <a:avLst/>
+            </a:prstGeom>
+          </p:spPr>
+        </p:pic>
+        <p:pic>
+          <p:nvPicPr>
+            <p:cNvPr id="45" name="Picture 44">
+              <a:extLst>
+                <a:ext uri="{FF2B5EF4-FFF2-40B4-BE49-F238E27FC236}">
+                  <a16:creationId xmlns:a16="http://schemas.microsoft.com/office/drawing/2014/main" id="{7BACEB8F-EA5D-1A48-8785-F400A764A0C0}"/>
+                </a:ext>
+              </a:extLst>
+            </p:cNvPr>
+            <p:cNvPicPr>
+              <a:picLocks noChangeAspect="1"/>
+            </p:cNvPicPr>
+            <p:nvPr/>
+          </p:nvPicPr>
+          <p:blipFill>
+            <a:blip r:embed="rId10" cstate="print">
+              <a:extLst>
+                <a:ext uri="{28A0092B-C50C-407E-A947-70E740481C1C}">
+                  <a14:useLocalDpi xmlns:a14="http://schemas.microsoft.com/office/drawing/2010/main" val="0"/>
+                </a:ext>
+              </a:extLst>
+            </a:blip>
+            <a:stretch>
+              <a:fillRect/>
+            </a:stretch>
+          </p:blipFill>
+          <p:spPr>
+            <a:xfrm>
+              <a:off x="1134530" y="3350520"/>
+              <a:ext cx="720000" cy="720000"/>
+            </a:xfrm>
+            <a:prstGeom prst="rect">
+              <a:avLst/>
+            </a:prstGeom>
+          </p:spPr>
+        </p:pic>
+        <p:sp>
+          <p:nvSpPr>
+            <p:cNvPr id="46" name="TextBox 45">
+              <a:extLst>
+                <a:ext uri="{FF2B5EF4-FFF2-40B4-BE49-F238E27FC236}">
+                  <a16:creationId xmlns:a16="http://schemas.microsoft.com/office/drawing/2014/main" id="{7C837903-A60E-A04A-88D8-CB3603E48883}"/>
+                </a:ext>
+              </a:extLst>
+            </p:cNvPr>
+            <p:cNvSpPr txBox="1"/>
+            <p:nvPr/>
+          </p:nvSpPr>
+          <p:spPr>
+            <a:xfrm>
+              <a:off x="660400" y="4070520"/>
+              <a:ext cx="2225040" cy="276999"/>
+            </a:xfrm>
+            <a:prstGeom prst="rect">
+              <a:avLst/>
+            </a:prstGeom>
+            <a:noFill/>
+          </p:spPr>
+          <p:txBody>
+            <a:bodyPr wrap="square" rtlCol="0">
+              <a:spAutoFit/>
+            </a:bodyPr>
+            <a:lstStyle/>
+            <a:p>
+              <a:pPr algn="ctr"/>
+              <a:r>
+                <a:rPr lang="en-US" sz="1200" b="1" dirty="0">
+                  <a:latin typeface="+mj-lt"/>
+                </a:rPr>
+                <a:t>Stakeholders</a:t>
+              </a:r>
+            </a:p>
+          </p:txBody>
+        </p:sp>
+      </p:grpSp>
+      <p:grpSp>
+        <p:nvGrpSpPr>
+          <p:cNvPr id="12" name="Group 11">
             <a:extLst>
-              <a:ext uri="{28A0092B-C50C-407E-A947-70E740481C1C}">
-                <a14:useLocalDpi xmlns:a14="http://schemas.microsoft.com/office/drawing/2010/main" val="0"/>
+              <a:ext uri="{FF2B5EF4-FFF2-40B4-BE49-F238E27FC236}">
+                <a16:creationId xmlns:a16="http://schemas.microsoft.com/office/drawing/2014/main" id="{D51BEA6E-307F-5445-BE56-ABDB09E7E985}"/>
               </a:ext>
             </a:extLst>
-          </a:blip>
-          <a:stretch>
-            <a:fillRect/>
-          </a:stretch>
-        </p:blipFill>
-        <p:spPr>
+          </p:cNvPr>
+          <p:cNvGrpSpPr/>
+          <p:nvPr/>
+        </p:nvGrpSpPr>
+        <p:grpSpPr>
           <a:xfrm>
-            <a:off x="4009398" y="4944145"/>
-            <a:ext cx="661940" cy="661940"/>
+            <a:off x="7744959" y="3448688"/>
+            <a:ext cx="2591768" cy="2027941"/>
+            <a:chOff x="7744959" y="3448688"/>
+            <a:chExt cx="2591768" cy="2027941"/>
           </a:xfrm>
-          <a:prstGeom prst="rect">
-            <a:avLst/>
-          </a:prstGeom>
-        </p:spPr>
-      </p:pic>
+        </p:grpSpPr>
+        <p:grpSp>
+          <p:nvGrpSpPr>
+            <p:cNvPr id="47" name="Group 46">
+              <a:extLst>
+                <a:ext uri="{FF2B5EF4-FFF2-40B4-BE49-F238E27FC236}">
+                  <a16:creationId xmlns:a16="http://schemas.microsoft.com/office/drawing/2014/main" id="{59B4E0B6-7F6F-CE42-AA48-ED70D3DA892F}"/>
+                </a:ext>
+              </a:extLst>
+            </p:cNvPr>
+            <p:cNvGrpSpPr/>
+            <p:nvPr/>
+          </p:nvGrpSpPr>
+          <p:grpSpPr>
+            <a:xfrm>
+              <a:off x="7780959" y="4460958"/>
+              <a:ext cx="2483910" cy="1015671"/>
+              <a:chOff x="5215998" y="1230832"/>
+              <a:chExt cx="2483910" cy="1015671"/>
+            </a:xfrm>
+          </p:grpSpPr>
+          <p:pic>
+            <p:nvPicPr>
+              <p:cNvPr id="48" name="Picture 47">
+                <a:extLst>
+                  <a:ext uri="{FF2B5EF4-FFF2-40B4-BE49-F238E27FC236}">
+                    <a16:creationId xmlns:a16="http://schemas.microsoft.com/office/drawing/2014/main" id="{D27C5EDC-0186-0D46-8203-9DD530D36907}"/>
+                  </a:ext>
+                </a:extLst>
+              </p:cNvPr>
+              <p:cNvPicPr>
+                <a:picLocks noChangeAspect="1"/>
+              </p:cNvPicPr>
+              <p:nvPr/>
+            </p:nvPicPr>
+            <p:blipFill>
+              <a:blip r:embed="rId11" cstate="print">
+                <a:extLst>
+                  <a:ext uri="{28A0092B-C50C-407E-A947-70E740481C1C}">
+                    <a14:useLocalDpi xmlns:a14="http://schemas.microsoft.com/office/drawing/2010/main" val="0"/>
+                  </a:ext>
+                </a:extLst>
+              </a:blip>
+              <a:stretch>
+                <a:fillRect/>
+              </a:stretch>
+            </p:blipFill>
+            <p:spPr>
+              <a:xfrm>
+                <a:off x="6979908" y="1230832"/>
+                <a:ext cx="720000" cy="720000"/>
+              </a:xfrm>
+              <a:prstGeom prst="rect">
+                <a:avLst/>
+              </a:prstGeom>
+            </p:spPr>
+          </p:pic>
+          <p:pic>
+            <p:nvPicPr>
+              <p:cNvPr id="49" name="Picture 48">
+                <a:extLst>
+                  <a:ext uri="{FF2B5EF4-FFF2-40B4-BE49-F238E27FC236}">
+                    <a16:creationId xmlns:a16="http://schemas.microsoft.com/office/drawing/2014/main" id="{3460D31E-4FD9-2C41-B7AC-C145241533FB}"/>
+                  </a:ext>
+                </a:extLst>
+              </p:cNvPr>
+              <p:cNvPicPr>
+                <a:picLocks noChangeAspect="1"/>
+              </p:cNvPicPr>
+              <p:nvPr/>
+            </p:nvPicPr>
+            <p:blipFill>
+              <a:blip r:embed="rId12" cstate="print">
+                <a:extLst>
+                  <a:ext uri="{28A0092B-C50C-407E-A947-70E740481C1C}">
+                    <a14:useLocalDpi xmlns:a14="http://schemas.microsoft.com/office/drawing/2010/main" val="0"/>
+                  </a:ext>
+                </a:extLst>
+              </a:blip>
+              <a:stretch>
+                <a:fillRect/>
+              </a:stretch>
+            </p:blipFill>
+            <p:spPr>
+              <a:xfrm>
+                <a:off x="6391938" y="1230832"/>
+                <a:ext cx="720000" cy="720000"/>
+              </a:xfrm>
+              <a:prstGeom prst="rect">
+                <a:avLst/>
+              </a:prstGeom>
+            </p:spPr>
+          </p:pic>
+          <p:pic>
+            <p:nvPicPr>
+              <p:cNvPr id="50" name="Picture 49">
+                <a:extLst>
+                  <a:ext uri="{FF2B5EF4-FFF2-40B4-BE49-F238E27FC236}">
+                    <a16:creationId xmlns:a16="http://schemas.microsoft.com/office/drawing/2014/main" id="{907EB7B8-D035-FA4D-9AA0-5FEBDFB09D8D}"/>
+                  </a:ext>
+                </a:extLst>
+              </p:cNvPr>
+              <p:cNvPicPr>
+                <a:picLocks noChangeAspect="1"/>
+              </p:cNvPicPr>
+              <p:nvPr/>
+            </p:nvPicPr>
+            <p:blipFill>
+              <a:blip r:embed="rId13" cstate="print">
+                <a:extLst>
+                  <a:ext uri="{28A0092B-C50C-407E-A947-70E740481C1C}">
+                    <a14:useLocalDpi xmlns:a14="http://schemas.microsoft.com/office/drawing/2010/main" val="0"/>
+                  </a:ext>
+                </a:extLst>
+              </a:blip>
+              <a:stretch>
+                <a:fillRect/>
+              </a:stretch>
+            </p:blipFill>
+            <p:spPr>
+              <a:xfrm>
+                <a:off x="5215998" y="1239404"/>
+                <a:ext cx="720000" cy="720000"/>
+              </a:xfrm>
+              <a:prstGeom prst="rect">
+                <a:avLst/>
+              </a:prstGeom>
+            </p:spPr>
+          </p:pic>
+          <p:pic>
+            <p:nvPicPr>
+              <p:cNvPr id="51" name="Picture 50">
+                <a:extLst>
+                  <a:ext uri="{FF2B5EF4-FFF2-40B4-BE49-F238E27FC236}">
+                    <a16:creationId xmlns:a16="http://schemas.microsoft.com/office/drawing/2014/main" id="{B23C60DD-89D3-7A41-9743-DA23A16DB1B1}"/>
+                  </a:ext>
+                </a:extLst>
+              </p:cNvPr>
+              <p:cNvPicPr>
+                <a:picLocks noChangeAspect="1"/>
+              </p:cNvPicPr>
+              <p:nvPr/>
+            </p:nvPicPr>
+            <p:blipFill>
+              <a:blip r:embed="rId14" cstate="print">
+                <a:extLst>
+                  <a:ext uri="{28A0092B-C50C-407E-A947-70E740481C1C}">
+                    <a14:useLocalDpi xmlns:a14="http://schemas.microsoft.com/office/drawing/2010/main" val="0"/>
+                  </a:ext>
+                </a:extLst>
+              </a:blip>
+              <a:stretch>
+                <a:fillRect/>
+              </a:stretch>
+            </p:blipFill>
+            <p:spPr>
+              <a:xfrm>
+                <a:off x="5803968" y="1239404"/>
+                <a:ext cx="720000" cy="720000"/>
+              </a:xfrm>
+              <a:prstGeom prst="rect">
+                <a:avLst/>
+              </a:prstGeom>
+            </p:spPr>
+          </p:pic>
+          <p:sp>
+            <p:nvSpPr>
+              <p:cNvPr id="52" name="TextBox 51">
+                <a:extLst>
+                  <a:ext uri="{FF2B5EF4-FFF2-40B4-BE49-F238E27FC236}">
+                    <a16:creationId xmlns:a16="http://schemas.microsoft.com/office/drawing/2014/main" id="{2DCD1A8D-A604-5E40-BA09-CAFED621115B}"/>
+                  </a:ext>
+                </a:extLst>
+              </p:cNvPr>
+              <p:cNvSpPr txBox="1"/>
+              <p:nvPr/>
+            </p:nvSpPr>
+            <p:spPr>
+              <a:xfrm>
+                <a:off x="5350538" y="1969504"/>
+                <a:ext cx="2225040" cy="276999"/>
+              </a:xfrm>
+              <a:prstGeom prst="rect">
+                <a:avLst/>
+              </a:prstGeom>
+              <a:noFill/>
+            </p:spPr>
+            <p:txBody>
+              <a:bodyPr wrap="square" rtlCol="0">
+                <a:spAutoFit/>
+              </a:bodyPr>
+              <a:lstStyle/>
+              <a:p>
+                <a:pPr algn="ctr"/>
+                <a:r>
+                  <a:rPr lang="en-US" sz="1200" b="1" dirty="0">
+                    <a:latin typeface="+mj-lt"/>
+                  </a:rPr>
+                  <a:t>Development Team</a:t>
+                </a:r>
+              </a:p>
+            </p:txBody>
+          </p:sp>
+        </p:grpSp>
+        <p:pic>
+          <p:nvPicPr>
+            <p:cNvPr id="4" name="Picture 3">
+              <a:extLst>
+                <a:ext uri="{FF2B5EF4-FFF2-40B4-BE49-F238E27FC236}">
+                  <a16:creationId xmlns:a16="http://schemas.microsoft.com/office/drawing/2014/main" id="{E0437DDA-936E-984E-B99E-F68E019D1088}"/>
+                </a:ext>
+              </a:extLst>
+            </p:cNvPr>
+            <p:cNvPicPr>
+              <a:picLocks noChangeAspect="1"/>
+            </p:cNvPicPr>
+            <p:nvPr/>
+          </p:nvPicPr>
+          <p:blipFill>
+            <a:blip r:embed="rId15">
+              <a:extLst>
+                <a:ext uri="{28A0092B-C50C-407E-A947-70E740481C1C}">
+                  <a14:useLocalDpi xmlns:a14="http://schemas.microsoft.com/office/drawing/2010/main" val="0"/>
+                </a:ext>
+              </a:extLst>
+            </a:blip>
+            <a:stretch>
+              <a:fillRect/>
+            </a:stretch>
+          </p:blipFill>
+          <p:spPr>
+            <a:xfrm>
+              <a:off x="9580727" y="3457260"/>
+              <a:ext cx="756000" cy="756000"/>
+            </a:xfrm>
+            <a:prstGeom prst="rect">
+              <a:avLst/>
+            </a:prstGeom>
+          </p:spPr>
+        </p:pic>
+        <p:pic>
+          <p:nvPicPr>
+            <p:cNvPr id="6" name="Picture 5">
+              <a:extLst>
+                <a:ext uri="{FF2B5EF4-FFF2-40B4-BE49-F238E27FC236}">
+                  <a16:creationId xmlns:a16="http://schemas.microsoft.com/office/drawing/2014/main" id="{E6483F56-D29C-E147-97F6-086367CDF016}"/>
+                </a:ext>
+              </a:extLst>
+            </p:cNvPr>
+            <p:cNvPicPr>
+              <a:picLocks noChangeAspect="1"/>
+            </p:cNvPicPr>
+            <p:nvPr/>
+          </p:nvPicPr>
+          <p:blipFill>
+            <a:blip r:embed="rId16">
+              <a:extLst>
+                <a:ext uri="{28A0092B-C50C-407E-A947-70E740481C1C}">
+                  <a14:useLocalDpi xmlns:a14="http://schemas.microsoft.com/office/drawing/2010/main" val="0"/>
+                </a:ext>
+              </a:extLst>
+            </a:blip>
+            <a:stretch>
+              <a:fillRect/>
+            </a:stretch>
+          </p:blipFill>
+          <p:spPr>
+            <a:xfrm>
+              <a:off x="8967264" y="3457260"/>
+              <a:ext cx="756000" cy="756000"/>
+            </a:xfrm>
+            <a:prstGeom prst="rect">
+              <a:avLst/>
+            </a:prstGeom>
+          </p:spPr>
+        </p:pic>
+        <p:pic>
+          <p:nvPicPr>
+            <p:cNvPr id="9" name="Picture 8">
+              <a:extLst>
+                <a:ext uri="{FF2B5EF4-FFF2-40B4-BE49-F238E27FC236}">
+                  <a16:creationId xmlns:a16="http://schemas.microsoft.com/office/drawing/2014/main" id="{AC1FAFE6-7115-4A48-A544-348AF363ECF4}"/>
+                </a:ext>
+              </a:extLst>
+            </p:cNvPr>
+            <p:cNvPicPr>
+              <a:picLocks noChangeAspect="1"/>
+            </p:cNvPicPr>
+            <p:nvPr/>
+          </p:nvPicPr>
+          <p:blipFill>
+            <a:blip r:embed="rId17">
+              <a:extLst>
+                <a:ext uri="{28A0092B-C50C-407E-A947-70E740481C1C}">
+                  <a14:useLocalDpi xmlns:a14="http://schemas.microsoft.com/office/drawing/2010/main" val="0"/>
+                </a:ext>
+              </a:extLst>
+            </a:blip>
+            <a:stretch>
+              <a:fillRect/>
+            </a:stretch>
+          </p:blipFill>
+          <p:spPr>
+            <a:xfrm>
+              <a:off x="8335386" y="3448688"/>
+              <a:ext cx="756000" cy="756000"/>
+            </a:xfrm>
+            <a:prstGeom prst="rect">
+              <a:avLst/>
+            </a:prstGeom>
+          </p:spPr>
+        </p:pic>
+        <p:pic>
+          <p:nvPicPr>
+            <p:cNvPr id="11" name="Picture 10">
+              <a:extLst>
+                <a:ext uri="{FF2B5EF4-FFF2-40B4-BE49-F238E27FC236}">
+                  <a16:creationId xmlns:a16="http://schemas.microsoft.com/office/drawing/2014/main" id="{3CECC150-0C0D-D245-BE3F-9EE1627F5442}"/>
+                </a:ext>
+              </a:extLst>
+            </p:cNvPr>
+            <p:cNvPicPr>
+              <a:picLocks noChangeAspect="1"/>
+            </p:cNvPicPr>
+            <p:nvPr/>
+          </p:nvPicPr>
+          <p:blipFill>
+            <a:blip r:embed="rId18">
+              <a:extLst>
+                <a:ext uri="{28A0092B-C50C-407E-A947-70E740481C1C}">
+                  <a14:useLocalDpi xmlns:a14="http://schemas.microsoft.com/office/drawing/2010/main" val="0"/>
+                </a:ext>
+              </a:extLst>
+            </a:blip>
+            <a:stretch>
+              <a:fillRect/>
+            </a:stretch>
+          </p:blipFill>
+          <p:spPr>
+            <a:xfrm>
+              <a:off x="7744959" y="3458788"/>
+              <a:ext cx="756000" cy="756000"/>
+            </a:xfrm>
+            <a:prstGeom prst="rect">
+              <a:avLst/>
+            </a:prstGeom>
+          </p:spPr>
+        </p:pic>
+      </p:grpSp>
     </p:spTree>
     <p:extLst>
       <p:ext uri="{BB962C8B-B14F-4D97-AF65-F5344CB8AC3E}">
-        <p14:creationId xmlns:p14="http://schemas.microsoft.com/office/powerpoint/2010/main" val="893025881"/>
+        <p14:creationId xmlns:p14="http://schemas.microsoft.com/office/powerpoint/2010/main" val="4269942343"/>
       </p:ext>
     </p:extLst>
   </p:cSld>
   <p:clrMapOvr>
     <a:masterClrMapping/>
   </p:clrMapOvr>
-  <mc:AlternateContent xmlns:mc="http://schemas.openxmlformats.org/markup-compatibility/2006" xmlns:p15="http://schemas.microsoft.com/office/powerpoint/2012/main">
-    <mc:Choice Requires="p15">
-      <p:transition xmlns:p14="http://schemas.microsoft.com/office/powerpoint/2010/main" spd="slow" p14:dur="2000">
-        <p15:prstTrans prst="drape"/>
-      </p:transition>
+  <mc:AlternateContent xmlns:mc="http://schemas.openxmlformats.org/markup-compatibility/2006" xmlns:p14="http://schemas.microsoft.com/office/powerpoint/2010/main">
+    <mc:Choice Requires="p14">
+      <p:transition p14:dur="10"/>
     </mc:Choice>
     <mc:Fallback xmlns="">
-      <p:transition xmlns:p14="http://schemas.microsoft.com/office/powerpoint/2010/main" spd="slow">
-        <p:fade/>
-      </p:transition>
+      <p:transition/>
     </mc:Fallback>
   </mc:AlternateContent>
 </p:sld>
